--- a/Day_4/dimensionality_reduction.pptx
+++ b/Day_4/dimensionality_reduction.pptx
@@ -273,7 +273,7 @@
           <a:p>
             <a:fld id="{243D5A7E-7A30-9F41-A2ED-194FC1D027B8}" type="datetimeFigureOut">
               <a:rPr lang="en-US" smtClean="0"/>
-              <a:t>7/25/24</a:t>
+              <a:t>7/30/24</a:t>
             </a:fld>
             <a:endParaRPr lang="en-US"/>
           </a:p>
@@ -471,7 +471,7 @@
           <a:p>
             <a:fld id="{243D5A7E-7A30-9F41-A2ED-194FC1D027B8}" type="datetimeFigureOut">
               <a:rPr lang="en-US" smtClean="0"/>
-              <a:t>7/25/24</a:t>
+              <a:t>7/30/24</a:t>
             </a:fld>
             <a:endParaRPr lang="en-US"/>
           </a:p>
@@ -679,7 +679,7 @@
           <a:p>
             <a:fld id="{243D5A7E-7A30-9F41-A2ED-194FC1D027B8}" type="datetimeFigureOut">
               <a:rPr lang="en-US" smtClean="0"/>
-              <a:t>7/25/24</a:t>
+              <a:t>7/30/24</a:t>
             </a:fld>
             <a:endParaRPr lang="en-US"/>
           </a:p>
@@ -877,7 +877,7 @@
           <a:p>
             <a:fld id="{243D5A7E-7A30-9F41-A2ED-194FC1D027B8}" type="datetimeFigureOut">
               <a:rPr lang="en-US" smtClean="0"/>
-              <a:t>7/25/24</a:t>
+              <a:t>7/30/24</a:t>
             </a:fld>
             <a:endParaRPr lang="en-US"/>
           </a:p>
@@ -1152,7 +1152,7 @@
           <a:p>
             <a:fld id="{243D5A7E-7A30-9F41-A2ED-194FC1D027B8}" type="datetimeFigureOut">
               <a:rPr lang="en-US" smtClean="0"/>
-              <a:t>7/25/24</a:t>
+              <a:t>7/30/24</a:t>
             </a:fld>
             <a:endParaRPr lang="en-US"/>
           </a:p>
@@ -1417,7 +1417,7 @@
           <a:p>
             <a:fld id="{243D5A7E-7A30-9F41-A2ED-194FC1D027B8}" type="datetimeFigureOut">
               <a:rPr lang="en-US" smtClean="0"/>
-              <a:t>7/25/24</a:t>
+              <a:t>7/30/24</a:t>
             </a:fld>
             <a:endParaRPr lang="en-US"/>
           </a:p>
@@ -1829,7 +1829,7 @@
           <a:p>
             <a:fld id="{243D5A7E-7A30-9F41-A2ED-194FC1D027B8}" type="datetimeFigureOut">
               <a:rPr lang="en-US" smtClean="0"/>
-              <a:t>7/25/24</a:t>
+              <a:t>7/30/24</a:t>
             </a:fld>
             <a:endParaRPr lang="en-US"/>
           </a:p>
@@ -1970,7 +1970,7 @@
           <a:p>
             <a:fld id="{243D5A7E-7A30-9F41-A2ED-194FC1D027B8}" type="datetimeFigureOut">
               <a:rPr lang="en-US" smtClean="0"/>
-              <a:t>7/25/24</a:t>
+              <a:t>7/30/24</a:t>
             </a:fld>
             <a:endParaRPr lang="en-US"/>
           </a:p>
@@ -2083,7 +2083,7 @@
           <a:p>
             <a:fld id="{243D5A7E-7A30-9F41-A2ED-194FC1D027B8}" type="datetimeFigureOut">
               <a:rPr lang="en-US" smtClean="0"/>
-              <a:t>7/25/24</a:t>
+              <a:t>7/30/24</a:t>
             </a:fld>
             <a:endParaRPr lang="en-US"/>
           </a:p>
@@ -2394,7 +2394,7 @@
           <a:p>
             <a:fld id="{243D5A7E-7A30-9F41-A2ED-194FC1D027B8}" type="datetimeFigureOut">
               <a:rPr lang="en-US" smtClean="0"/>
-              <a:t>7/25/24</a:t>
+              <a:t>7/30/24</a:t>
             </a:fld>
             <a:endParaRPr lang="en-US"/>
           </a:p>
@@ -2682,7 +2682,7 @@
           <a:p>
             <a:fld id="{243D5A7E-7A30-9F41-A2ED-194FC1D027B8}" type="datetimeFigureOut">
               <a:rPr lang="en-US" smtClean="0"/>
-              <a:t>7/25/24</a:t>
+              <a:t>7/30/24</a:t>
             </a:fld>
             <a:endParaRPr lang="en-US"/>
           </a:p>
@@ -2923,7 +2923,7 @@
           <a:p>
             <a:fld id="{243D5A7E-7A30-9F41-A2ED-194FC1D027B8}" type="datetimeFigureOut">
               <a:rPr lang="en-US" smtClean="0"/>
-              <a:t>7/25/24</a:t>
+              <a:t>7/30/24</a:t>
             </a:fld>
             <a:endParaRPr lang="en-US"/>
           </a:p>
@@ -3734,6 +3734,57 @@
           </a:p>
         </p:txBody>
       </p:sp>
+      <p:sp>
+        <p:nvSpPr>
+          <p:cNvPr id="2" name="TextBox 1">
+            <a:extLst>
+              <a:ext uri="{FF2B5EF4-FFF2-40B4-BE49-F238E27FC236}">
+                <a16:creationId xmlns:a16="http://schemas.microsoft.com/office/drawing/2014/main" id="{05FB7D46-57DA-877D-5454-BD166BBBECD8}"/>
+              </a:ext>
+            </a:extLst>
+          </p:cNvPr>
+          <p:cNvSpPr txBox="1"/>
+          <p:nvPr/>
+        </p:nvSpPr>
+        <p:spPr>
+          <a:xfrm>
+            <a:off x="-1904" y="6492876"/>
+            <a:ext cx="6097904" cy="369332"/>
+          </a:xfrm>
+          <a:prstGeom prst="rect">
+            <a:avLst/>
+          </a:prstGeom>
+          <a:noFill/>
+        </p:spPr>
+        <p:txBody>
+          <a:bodyPr wrap="square">
+            <a:spAutoFit/>
+          </a:bodyPr>
+          <a:lstStyle/>
+          <a:p>
+            <a:r>
+              <a:rPr lang="en-US" dirty="0"/>
+              <a:t>https://</a:t>
+            </a:r>
+            <a:r>
+              <a:rPr lang="en-US" dirty="0" err="1"/>
+              <a:t>www.youtube.com</a:t>
+            </a:r>
+            <a:r>
+              <a:rPr lang="en-US" dirty="0"/>
+              <a:t>/</a:t>
+            </a:r>
+            <a:r>
+              <a:rPr lang="en-US" dirty="0" err="1"/>
+              <a:t>watch?v</a:t>
+            </a:r>
+            <a:r>
+              <a:rPr lang="en-US" dirty="0"/>
+              <a:t>=FgakZw6K1QQ</a:t>
+            </a:r>
+          </a:p>
+        </p:txBody>
+      </p:sp>
     </p:spTree>
     <p:extLst>
       <p:ext uri="{BB962C8B-B14F-4D97-AF65-F5344CB8AC3E}">
@@ -4016,6 +4067,57 @@
           </a:prstGeom>
         </p:spPr>
       </p:pic>
+      <p:sp>
+        <p:nvSpPr>
+          <p:cNvPr id="3" name="TextBox 2">
+            <a:extLst>
+              <a:ext uri="{FF2B5EF4-FFF2-40B4-BE49-F238E27FC236}">
+                <a16:creationId xmlns:a16="http://schemas.microsoft.com/office/drawing/2014/main" id="{F128F5FF-8EB9-96AA-49E7-C7AA7C004628}"/>
+              </a:ext>
+            </a:extLst>
+          </p:cNvPr>
+          <p:cNvSpPr txBox="1"/>
+          <p:nvPr/>
+        </p:nvSpPr>
+        <p:spPr>
+          <a:xfrm>
+            <a:off x="-1904" y="6492876"/>
+            <a:ext cx="6097904" cy="369332"/>
+          </a:xfrm>
+          <a:prstGeom prst="rect">
+            <a:avLst/>
+          </a:prstGeom>
+          <a:noFill/>
+        </p:spPr>
+        <p:txBody>
+          <a:bodyPr wrap="square">
+            <a:spAutoFit/>
+          </a:bodyPr>
+          <a:lstStyle/>
+          <a:p>
+            <a:r>
+              <a:rPr lang="en-US" dirty="0"/>
+              <a:t>https://</a:t>
+            </a:r>
+            <a:r>
+              <a:rPr lang="en-US" dirty="0" err="1"/>
+              <a:t>www.youtube.com</a:t>
+            </a:r>
+            <a:r>
+              <a:rPr lang="en-US" dirty="0"/>
+              <a:t>/</a:t>
+            </a:r>
+            <a:r>
+              <a:rPr lang="en-US" dirty="0" err="1"/>
+              <a:t>watch?v</a:t>
+            </a:r>
+            <a:r>
+              <a:rPr lang="en-US" dirty="0"/>
+              <a:t>=FgakZw6K1QQ</a:t>
+            </a:r>
+          </a:p>
+        </p:txBody>
+      </p:sp>
     </p:spTree>
     <p:extLst>
       <p:ext uri="{BB962C8B-B14F-4D97-AF65-F5344CB8AC3E}">
@@ -4105,6 +4207,57 @@
           </a:prstGeom>
         </p:spPr>
       </p:pic>
+      <p:sp>
+        <p:nvSpPr>
+          <p:cNvPr id="2" name="TextBox 1">
+            <a:extLst>
+              <a:ext uri="{FF2B5EF4-FFF2-40B4-BE49-F238E27FC236}">
+                <a16:creationId xmlns:a16="http://schemas.microsoft.com/office/drawing/2014/main" id="{B1989D49-C24F-E3D3-FE37-34DD57E56DEA}"/>
+              </a:ext>
+            </a:extLst>
+          </p:cNvPr>
+          <p:cNvSpPr txBox="1"/>
+          <p:nvPr/>
+        </p:nvSpPr>
+        <p:spPr>
+          <a:xfrm>
+            <a:off x="-1904" y="6492876"/>
+            <a:ext cx="6097904" cy="369332"/>
+          </a:xfrm>
+          <a:prstGeom prst="rect">
+            <a:avLst/>
+          </a:prstGeom>
+          <a:noFill/>
+        </p:spPr>
+        <p:txBody>
+          <a:bodyPr wrap="square">
+            <a:spAutoFit/>
+          </a:bodyPr>
+          <a:lstStyle/>
+          <a:p>
+            <a:r>
+              <a:rPr lang="en-US" dirty="0"/>
+              <a:t>https://</a:t>
+            </a:r>
+            <a:r>
+              <a:rPr lang="en-US" dirty="0" err="1"/>
+              <a:t>www.youtube.com</a:t>
+            </a:r>
+            <a:r>
+              <a:rPr lang="en-US" dirty="0"/>
+              <a:t>/</a:t>
+            </a:r>
+            <a:r>
+              <a:rPr lang="en-US" dirty="0" err="1"/>
+              <a:t>watch?v</a:t>
+            </a:r>
+            <a:r>
+              <a:rPr lang="en-US" dirty="0"/>
+              <a:t>=FgakZw6K1QQ</a:t>
+            </a:r>
+          </a:p>
+        </p:txBody>
+      </p:sp>
     </p:spTree>
     <p:extLst>
       <p:ext uri="{BB962C8B-B14F-4D97-AF65-F5344CB8AC3E}">
@@ -4315,6 +4468,57 @@
           </a:prstGeom>
         </p:spPr>
       </p:pic>
+      <p:sp>
+        <p:nvSpPr>
+          <p:cNvPr id="2" name="TextBox 1">
+            <a:extLst>
+              <a:ext uri="{FF2B5EF4-FFF2-40B4-BE49-F238E27FC236}">
+                <a16:creationId xmlns:a16="http://schemas.microsoft.com/office/drawing/2014/main" id="{F3FD9D3C-0088-380E-BDF9-07B1C7313D42}"/>
+              </a:ext>
+            </a:extLst>
+          </p:cNvPr>
+          <p:cNvSpPr txBox="1"/>
+          <p:nvPr/>
+        </p:nvSpPr>
+        <p:spPr>
+          <a:xfrm>
+            <a:off x="-1904" y="6492876"/>
+            <a:ext cx="6097904" cy="369332"/>
+          </a:xfrm>
+          <a:prstGeom prst="rect">
+            <a:avLst/>
+          </a:prstGeom>
+          <a:noFill/>
+        </p:spPr>
+        <p:txBody>
+          <a:bodyPr wrap="square">
+            <a:spAutoFit/>
+          </a:bodyPr>
+          <a:lstStyle/>
+          <a:p>
+            <a:r>
+              <a:rPr lang="en-US" dirty="0"/>
+              <a:t>https://</a:t>
+            </a:r>
+            <a:r>
+              <a:rPr lang="en-US" dirty="0" err="1"/>
+              <a:t>www.youtube.com</a:t>
+            </a:r>
+            <a:r>
+              <a:rPr lang="en-US" dirty="0"/>
+              <a:t>/</a:t>
+            </a:r>
+            <a:r>
+              <a:rPr lang="en-US" dirty="0" err="1"/>
+              <a:t>watch?v</a:t>
+            </a:r>
+            <a:r>
+              <a:rPr lang="en-US" dirty="0"/>
+              <a:t>=FgakZw6K1QQ</a:t>
+            </a:r>
+          </a:p>
+        </p:txBody>
+      </p:sp>
     </p:spTree>
     <p:extLst>
       <p:ext uri="{BB962C8B-B14F-4D97-AF65-F5344CB8AC3E}">
@@ -4599,6 +4803,57 @@
           </a:p>
         </p:txBody>
       </p:sp>
+      <p:sp>
+        <p:nvSpPr>
+          <p:cNvPr id="2" name="TextBox 1">
+            <a:extLst>
+              <a:ext uri="{FF2B5EF4-FFF2-40B4-BE49-F238E27FC236}">
+                <a16:creationId xmlns:a16="http://schemas.microsoft.com/office/drawing/2014/main" id="{B023759E-50CC-DC76-CB4D-94CC7505D442}"/>
+              </a:ext>
+            </a:extLst>
+          </p:cNvPr>
+          <p:cNvSpPr txBox="1"/>
+          <p:nvPr/>
+        </p:nvSpPr>
+        <p:spPr>
+          <a:xfrm>
+            <a:off x="-1904" y="6492876"/>
+            <a:ext cx="6097904" cy="369332"/>
+          </a:xfrm>
+          <a:prstGeom prst="rect">
+            <a:avLst/>
+          </a:prstGeom>
+          <a:noFill/>
+        </p:spPr>
+        <p:txBody>
+          <a:bodyPr wrap="square">
+            <a:spAutoFit/>
+          </a:bodyPr>
+          <a:lstStyle/>
+          <a:p>
+            <a:r>
+              <a:rPr lang="en-US" dirty="0"/>
+              <a:t>https://</a:t>
+            </a:r>
+            <a:r>
+              <a:rPr lang="en-US" dirty="0" err="1"/>
+              <a:t>www.youtube.com</a:t>
+            </a:r>
+            <a:r>
+              <a:rPr lang="en-US" dirty="0"/>
+              <a:t>/</a:t>
+            </a:r>
+            <a:r>
+              <a:rPr lang="en-US" dirty="0" err="1"/>
+              <a:t>watch?v</a:t>
+            </a:r>
+            <a:r>
+              <a:rPr lang="en-US" dirty="0"/>
+              <a:t>=FgakZw6K1QQ</a:t>
+            </a:r>
+          </a:p>
+        </p:txBody>
+      </p:sp>
     </p:spTree>
     <p:extLst>
       <p:ext uri="{BB962C8B-B14F-4D97-AF65-F5344CB8AC3E}">
@@ -4906,6 +5161,57 @@
           </a:xfrm>
         </p:spPr>
       </p:pic>
+      <p:sp>
+        <p:nvSpPr>
+          <p:cNvPr id="3" name="TextBox 2">
+            <a:extLst>
+              <a:ext uri="{FF2B5EF4-FFF2-40B4-BE49-F238E27FC236}">
+                <a16:creationId xmlns:a16="http://schemas.microsoft.com/office/drawing/2014/main" id="{BDF038F4-8056-34E2-B463-F2CEF4F175CE}"/>
+              </a:ext>
+            </a:extLst>
+          </p:cNvPr>
+          <p:cNvSpPr txBox="1"/>
+          <p:nvPr/>
+        </p:nvSpPr>
+        <p:spPr>
+          <a:xfrm>
+            <a:off x="-1904" y="6492876"/>
+            <a:ext cx="6097904" cy="369332"/>
+          </a:xfrm>
+          <a:prstGeom prst="rect">
+            <a:avLst/>
+          </a:prstGeom>
+          <a:noFill/>
+        </p:spPr>
+        <p:txBody>
+          <a:bodyPr wrap="square">
+            <a:spAutoFit/>
+          </a:bodyPr>
+          <a:lstStyle/>
+          <a:p>
+            <a:r>
+              <a:rPr lang="en-US" dirty="0"/>
+              <a:t>https://</a:t>
+            </a:r>
+            <a:r>
+              <a:rPr lang="en-US" dirty="0" err="1"/>
+              <a:t>www.youtube.com</a:t>
+            </a:r>
+            <a:r>
+              <a:rPr lang="en-US" dirty="0"/>
+              <a:t>/</a:t>
+            </a:r>
+            <a:r>
+              <a:rPr lang="en-US" dirty="0" err="1"/>
+              <a:t>watch?v</a:t>
+            </a:r>
+            <a:r>
+              <a:rPr lang="en-US" dirty="0"/>
+              <a:t>=FgakZw6K1QQ</a:t>
+            </a:r>
+          </a:p>
+        </p:txBody>
+      </p:sp>
     </p:spTree>
     <p:extLst>
       <p:ext uri="{BB962C8B-B14F-4D97-AF65-F5344CB8AC3E}">
@@ -4995,6 +5301,57 @@
           </a:prstGeom>
         </p:spPr>
       </p:pic>
+      <p:sp>
+        <p:nvSpPr>
+          <p:cNvPr id="2" name="TextBox 1">
+            <a:extLst>
+              <a:ext uri="{FF2B5EF4-FFF2-40B4-BE49-F238E27FC236}">
+                <a16:creationId xmlns:a16="http://schemas.microsoft.com/office/drawing/2014/main" id="{BD88166D-B4D9-D328-F42B-AB826B017A23}"/>
+              </a:ext>
+            </a:extLst>
+          </p:cNvPr>
+          <p:cNvSpPr txBox="1"/>
+          <p:nvPr/>
+        </p:nvSpPr>
+        <p:spPr>
+          <a:xfrm>
+            <a:off x="-1904" y="6492876"/>
+            <a:ext cx="6097904" cy="369332"/>
+          </a:xfrm>
+          <a:prstGeom prst="rect">
+            <a:avLst/>
+          </a:prstGeom>
+          <a:noFill/>
+        </p:spPr>
+        <p:txBody>
+          <a:bodyPr wrap="square">
+            <a:spAutoFit/>
+          </a:bodyPr>
+          <a:lstStyle/>
+          <a:p>
+            <a:r>
+              <a:rPr lang="en-US" dirty="0"/>
+              <a:t>https://</a:t>
+            </a:r>
+            <a:r>
+              <a:rPr lang="en-US" dirty="0" err="1"/>
+              <a:t>www.youtube.com</a:t>
+            </a:r>
+            <a:r>
+              <a:rPr lang="en-US" dirty="0"/>
+              <a:t>/</a:t>
+            </a:r>
+            <a:r>
+              <a:rPr lang="en-US" dirty="0" err="1"/>
+              <a:t>watch?v</a:t>
+            </a:r>
+            <a:r>
+              <a:rPr lang="en-US" dirty="0"/>
+              <a:t>=FgakZw6K1QQ</a:t>
+            </a:r>
+          </a:p>
+        </p:txBody>
+      </p:sp>
     </p:spTree>
     <p:extLst>
       <p:ext uri="{BB962C8B-B14F-4D97-AF65-F5344CB8AC3E}">
@@ -5388,6 +5745,57 @@
           <a:p>
             <a:pPr algn="ctr"/>
             <a:endParaRPr lang="en-US"/>
+          </a:p>
+        </p:txBody>
+      </p:sp>
+      <p:sp>
+        <p:nvSpPr>
+          <p:cNvPr id="2" name="TextBox 1">
+            <a:extLst>
+              <a:ext uri="{FF2B5EF4-FFF2-40B4-BE49-F238E27FC236}">
+                <a16:creationId xmlns:a16="http://schemas.microsoft.com/office/drawing/2014/main" id="{F5AB07FD-F15A-C2C0-E515-1D3BD4163744}"/>
+              </a:ext>
+            </a:extLst>
+          </p:cNvPr>
+          <p:cNvSpPr txBox="1"/>
+          <p:nvPr/>
+        </p:nvSpPr>
+        <p:spPr>
+          <a:xfrm>
+            <a:off x="-1904" y="6492876"/>
+            <a:ext cx="6097904" cy="369332"/>
+          </a:xfrm>
+          <a:prstGeom prst="rect">
+            <a:avLst/>
+          </a:prstGeom>
+          <a:noFill/>
+        </p:spPr>
+        <p:txBody>
+          <a:bodyPr wrap="square">
+            <a:spAutoFit/>
+          </a:bodyPr>
+          <a:lstStyle/>
+          <a:p>
+            <a:r>
+              <a:rPr lang="en-US" dirty="0"/>
+              <a:t>https://</a:t>
+            </a:r>
+            <a:r>
+              <a:rPr lang="en-US" dirty="0" err="1"/>
+              <a:t>www.youtube.com</a:t>
+            </a:r>
+            <a:r>
+              <a:rPr lang="en-US" dirty="0"/>
+              <a:t>/</a:t>
+            </a:r>
+            <a:r>
+              <a:rPr lang="en-US" dirty="0" err="1"/>
+              <a:t>watch?v</a:t>
+            </a:r>
+            <a:r>
+              <a:rPr lang="en-US" dirty="0"/>
+              <a:t>=FgakZw6K1QQ</a:t>
+            </a:r>
           </a:p>
         </p:txBody>
       </p:sp>
@@ -5754,6 +6162,57 @@
           </a:p>
         </p:txBody>
       </p:sp>
+      <p:sp>
+        <p:nvSpPr>
+          <p:cNvPr id="4" name="TextBox 3">
+            <a:extLst>
+              <a:ext uri="{FF2B5EF4-FFF2-40B4-BE49-F238E27FC236}">
+                <a16:creationId xmlns:a16="http://schemas.microsoft.com/office/drawing/2014/main" id="{F3EB50B5-2D10-9ED6-D6E0-51652E9E9EFE}"/>
+              </a:ext>
+            </a:extLst>
+          </p:cNvPr>
+          <p:cNvSpPr txBox="1"/>
+          <p:nvPr/>
+        </p:nvSpPr>
+        <p:spPr>
+          <a:xfrm>
+            <a:off x="-1904" y="6492876"/>
+            <a:ext cx="6097904" cy="369332"/>
+          </a:xfrm>
+          <a:prstGeom prst="rect">
+            <a:avLst/>
+          </a:prstGeom>
+          <a:noFill/>
+        </p:spPr>
+        <p:txBody>
+          <a:bodyPr wrap="square">
+            <a:spAutoFit/>
+          </a:bodyPr>
+          <a:lstStyle/>
+          <a:p>
+            <a:r>
+              <a:rPr lang="en-US" dirty="0"/>
+              <a:t>https://</a:t>
+            </a:r>
+            <a:r>
+              <a:rPr lang="en-US" dirty="0" err="1"/>
+              <a:t>www.youtube.com</a:t>
+            </a:r>
+            <a:r>
+              <a:rPr lang="en-US" dirty="0"/>
+              <a:t>/</a:t>
+            </a:r>
+            <a:r>
+              <a:rPr lang="en-US" dirty="0" err="1"/>
+              <a:t>watch?v</a:t>
+            </a:r>
+            <a:r>
+              <a:rPr lang="en-US" dirty="0"/>
+              <a:t>=FgakZw6K1QQ</a:t>
+            </a:r>
+          </a:p>
+        </p:txBody>
+      </p:sp>
     </p:spTree>
     <p:extLst>
       <p:ext uri="{BB962C8B-B14F-4D97-AF65-F5344CB8AC3E}">
@@ -5874,6 +6333,57 @@
           </a:prstGeom>
         </p:spPr>
       </p:pic>
+      <p:sp>
+        <p:nvSpPr>
+          <p:cNvPr id="3" name="TextBox 2">
+            <a:extLst>
+              <a:ext uri="{FF2B5EF4-FFF2-40B4-BE49-F238E27FC236}">
+                <a16:creationId xmlns:a16="http://schemas.microsoft.com/office/drawing/2014/main" id="{7A9BA70D-F614-EB8C-746F-B7BAC73A65C1}"/>
+              </a:ext>
+            </a:extLst>
+          </p:cNvPr>
+          <p:cNvSpPr txBox="1"/>
+          <p:nvPr/>
+        </p:nvSpPr>
+        <p:spPr>
+          <a:xfrm>
+            <a:off x="-1904" y="6492876"/>
+            <a:ext cx="6097904" cy="369332"/>
+          </a:xfrm>
+          <a:prstGeom prst="rect">
+            <a:avLst/>
+          </a:prstGeom>
+          <a:noFill/>
+        </p:spPr>
+        <p:txBody>
+          <a:bodyPr wrap="square">
+            <a:spAutoFit/>
+          </a:bodyPr>
+          <a:lstStyle/>
+          <a:p>
+            <a:r>
+              <a:rPr lang="en-US" dirty="0"/>
+              <a:t>https://</a:t>
+            </a:r>
+            <a:r>
+              <a:rPr lang="en-US" dirty="0" err="1"/>
+              <a:t>www.youtube.com</a:t>
+            </a:r>
+            <a:r>
+              <a:rPr lang="en-US" dirty="0"/>
+              <a:t>/</a:t>
+            </a:r>
+            <a:r>
+              <a:rPr lang="en-US" dirty="0" err="1"/>
+              <a:t>watch?v</a:t>
+            </a:r>
+            <a:r>
+              <a:rPr lang="en-US" dirty="0"/>
+              <a:t>=FgakZw6K1QQ</a:t>
+            </a:r>
+          </a:p>
+        </p:txBody>
+      </p:sp>
     </p:spTree>
     <p:extLst>
       <p:ext uri="{BB962C8B-B14F-4D97-AF65-F5344CB8AC3E}">
@@ -6163,6 +6673,57 @@
           </a:prstGeom>
         </p:spPr>
       </p:pic>
+      <p:sp>
+        <p:nvSpPr>
+          <p:cNvPr id="2" name="TextBox 1">
+            <a:extLst>
+              <a:ext uri="{FF2B5EF4-FFF2-40B4-BE49-F238E27FC236}">
+                <a16:creationId xmlns:a16="http://schemas.microsoft.com/office/drawing/2014/main" id="{B7564741-A56B-1290-0ACE-5CDB2BE91A47}"/>
+              </a:ext>
+            </a:extLst>
+          </p:cNvPr>
+          <p:cNvSpPr txBox="1"/>
+          <p:nvPr/>
+        </p:nvSpPr>
+        <p:spPr>
+          <a:xfrm>
+            <a:off x="-1904" y="6492876"/>
+            <a:ext cx="6097904" cy="369332"/>
+          </a:xfrm>
+          <a:prstGeom prst="rect">
+            <a:avLst/>
+          </a:prstGeom>
+          <a:noFill/>
+        </p:spPr>
+        <p:txBody>
+          <a:bodyPr wrap="square">
+            <a:spAutoFit/>
+          </a:bodyPr>
+          <a:lstStyle/>
+          <a:p>
+            <a:r>
+              <a:rPr lang="en-US" dirty="0"/>
+              <a:t>https://</a:t>
+            </a:r>
+            <a:r>
+              <a:rPr lang="en-US" dirty="0" err="1"/>
+              <a:t>www.youtube.com</a:t>
+            </a:r>
+            <a:r>
+              <a:rPr lang="en-US" dirty="0"/>
+              <a:t>/</a:t>
+            </a:r>
+            <a:r>
+              <a:rPr lang="en-US" dirty="0" err="1"/>
+              <a:t>watch?v</a:t>
+            </a:r>
+            <a:r>
+              <a:rPr lang="en-US" dirty="0"/>
+              <a:t>=FgakZw6K1QQ</a:t>
+            </a:r>
+          </a:p>
+        </p:txBody>
+      </p:sp>
     </p:spTree>
     <p:extLst>
       <p:ext uri="{BB962C8B-B14F-4D97-AF65-F5344CB8AC3E}">
@@ -6422,6 +6983,57 @@
           <a:p>
             <a:pPr algn="ctr"/>
             <a:endParaRPr lang="en-US"/>
+          </a:p>
+        </p:txBody>
+      </p:sp>
+      <p:sp>
+        <p:nvSpPr>
+          <p:cNvPr id="2" name="TextBox 1">
+            <a:extLst>
+              <a:ext uri="{FF2B5EF4-FFF2-40B4-BE49-F238E27FC236}">
+                <a16:creationId xmlns:a16="http://schemas.microsoft.com/office/drawing/2014/main" id="{A5E052A2-EB16-2075-57CE-EB088F745360}"/>
+              </a:ext>
+            </a:extLst>
+          </p:cNvPr>
+          <p:cNvSpPr txBox="1"/>
+          <p:nvPr/>
+        </p:nvSpPr>
+        <p:spPr>
+          <a:xfrm>
+            <a:off x="-1904" y="6492876"/>
+            <a:ext cx="6097904" cy="369332"/>
+          </a:xfrm>
+          <a:prstGeom prst="rect">
+            <a:avLst/>
+          </a:prstGeom>
+          <a:noFill/>
+        </p:spPr>
+        <p:txBody>
+          <a:bodyPr wrap="square">
+            <a:spAutoFit/>
+          </a:bodyPr>
+          <a:lstStyle/>
+          <a:p>
+            <a:r>
+              <a:rPr lang="en-US" dirty="0"/>
+              <a:t>https://</a:t>
+            </a:r>
+            <a:r>
+              <a:rPr lang="en-US" dirty="0" err="1"/>
+              <a:t>www.youtube.com</a:t>
+            </a:r>
+            <a:r>
+              <a:rPr lang="en-US" dirty="0"/>
+              <a:t>/</a:t>
+            </a:r>
+            <a:r>
+              <a:rPr lang="en-US" dirty="0" err="1"/>
+              <a:t>watch?v</a:t>
+            </a:r>
+            <a:r>
+              <a:rPr lang="en-US" dirty="0"/>
+              <a:t>=FgakZw6K1QQ</a:t>
+            </a:r>
           </a:p>
         </p:txBody>
       </p:sp>
